--- a/Dokumentácia a propagácia/Baner nadpis.pptx
+++ b/Dokumentácia a propagácia/Baner nadpis.pptx
@@ -192,7 +192,7 @@
           <a:p>
             <a:fld id="{7636E5E0-1B7C-41C8-A814-774DE7C46E19}" type="datetimeFigureOut">
               <a:rPr lang="en-US" smtClean="0"/>
-              <a:t>10/8/2017</a:t>
+              <a:t>10/10/2017</a:t>
             </a:fld>
             <a:endParaRPr lang="en-US"/>
           </a:p>
@@ -725,7 +725,7 @@
           <a:p>
             <a:fld id="{593A91F4-9B4F-4C73-B9B8-A0C9AA53D27B}" type="datetimeFigureOut">
               <a:rPr lang="en-US" smtClean="0"/>
-              <a:t>10/8/2017</a:t>
+              <a:t>10/10/2017</a:t>
             </a:fld>
             <a:endParaRPr lang="en-US"/>
           </a:p>
@@ -895,7 +895,7 @@
           <a:p>
             <a:fld id="{593A91F4-9B4F-4C73-B9B8-A0C9AA53D27B}" type="datetimeFigureOut">
               <a:rPr lang="en-US" smtClean="0"/>
-              <a:t>10/8/2017</a:t>
+              <a:t>10/10/2017</a:t>
             </a:fld>
             <a:endParaRPr lang="en-US"/>
           </a:p>
@@ -1075,7 +1075,7 @@
           <a:p>
             <a:fld id="{593A91F4-9B4F-4C73-B9B8-A0C9AA53D27B}" type="datetimeFigureOut">
               <a:rPr lang="en-US" smtClean="0"/>
-              <a:t>10/8/2017</a:t>
+              <a:t>10/10/2017</a:t>
             </a:fld>
             <a:endParaRPr lang="en-US"/>
           </a:p>
@@ -1245,7 +1245,7 @@
           <a:p>
             <a:fld id="{593A91F4-9B4F-4C73-B9B8-A0C9AA53D27B}" type="datetimeFigureOut">
               <a:rPr lang="en-US" smtClean="0"/>
-              <a:t>10/8/2017</a:t>
+              <a:t>10/10/2017</a:t>
             </a:fld>
             <a:endParaRPr lang="en-US"/>
           </a:p>
@@ -1491,7 +1491,7 @@
           <a:p>
             <a:fld id="{593A91F4-9B4F-4C73-B9B8-A0C9AA53D27B}" type="datetimeFigureOut">
               <a:rPr lang="en-US" smtClean="0"/>
-              <a:t>10/8/2017</a:t>
+              <a:t>10/10/2017</a:t>
             </a:fld>
             <a:endParaRPr lang="en-US"/>
           </a:p>
@@ -1779,7 +1779,7 @@
           <a:p>
             <a:fld id="{593A91F4-9B4F-4C73-B9B8-A0C9AA53D27B}" type="datetimeFigureOut">
               <a:rPr lang="en-US" smtClean="0"/>
-              <a:t>10/8/2017</a:t>
+              <a:t>10/10/2017</a:t>
             </a:fld>
             <a:endParaRPr lang="en-US"/>
           </a:p>
@@ -2206,7 +2206,7 @@
           <a:p>
             <a:fld id="{593A91F4-9B4F-4C73-B9B8-A0C9AA53D27B}" type="datetimeFigureOut">
               <a:rPr lang="en-US" smtClean="0"/>
-              <a:t>10/8/2017</a:t>
+              <a:t>10/10/2017</a:t>
             </a:fld>
             <a:endParaRPr lang="en-US"/>
           </a:p>
@@ -2324,7 +2324,7 @@
           <a:p>
             <a:fld id="{593A91F4-9B4F-4C73-B9B8-A0C9AA53D27B}" type="datetimeFigureOut">
               <a:rPr lang="en-US" smtClean="0"/>
-              <a:t>10/8/2017</a:t>
+              <a:t>10/10/2017</a:t>
             </a:fld>
             <a:endParaRPr lang="en-US"/>
           </a:p>
@@ -2419,7 +2419,7 @@
           <a:p>
             <a:fld id="{593A91F4-9B4F-4C73-B9B8-A0C9AA53D27B}" type="datetimeFigureOut">
               <a:rPr lang="en-US" smtClean="0"/>
-              <a:t>10/8/2017</a:t>
+              <a:t>10/10/2017</a:t>
             </a:fld>
             <a:endParaRPr lang="en-US"/>
           </a:p>
@@ -2696,7 +2696,7 @@
           <a:p>
             <a:fld id="{593A91F4-9B4F-4C73-B9B8-A0C9AA53D27B}" type="datetimeFigureOut">
               <a:rPr lang="en-US" smtClean="0"/>
-              <a:t>10/8/2017</a:t>
+              <a:t>10/10/2017</a:t>
             </a:fld>
             <a:endParaRPr lang="en-US"/>
           </a:p>
@@ -2949,7 +2949,7 @@
           <a:p>
             <a:fld id="{593A91F4-9B4F-4C73-B9B8-A0C9AA53D27B}" type="datetimeFigureOut">
               <a:rPr lang="en-US" smtClean="0"/>
-              <a:t>10/8/2017</a:t>
+              <a:t>10/10/2017</a:t>
             </a:fld>
             <a:endParaRPr lang="en-US"/>
           </a:p>
@@ -3162,7 +3162,7 @@
           <a:p>
             <a:fld id="{593A91F4-9B4F-4C73-B9B8-A0C9AA53D27B}" type="datetimeFigureOut">
               <a:rPr lang="en-US" smtClean="0"/>
-              <a:t>10/8/2017</a:t>
+              <a:t>10/10/2017</a:t>
             </a:fld>
             <a:endParaRPr lang="en-US"/>
           </a:p>
@@ -3558,8 +3558,8 @@
         </p:blipFill>
         <p:spPr>
           <a:xfrm>
-            <a:off x="19191289" y="1"/>
-            <a:ext cx="9987729" cy="8670330"/>
+            <a:off x="20182564" y="840297"/>
+            <a:ext cx="8008929" cy="6952537"/>
           </a:xfrm>
           <a:prstGeom prst="rect">
             <a:avLst/>
@@ -3574,8 +3574,8 @@
         </p:nvSpPr>
         <p:spPr>
           <a:xfrm>
-            <a:off x="-1" y="0"/>
-            <a:ext cx="19622541" cy="8633133"/>
+            <a:off x="0" y="186297"/>
+            <a:ext cx="21782782" cy="8094524"/>
           </a:xfrm>
           <a:prstGeom prst="rect">
             <a:avLst/>
@@ -3602,7 +3602,7 @@
           <a:p>
             <a:pPr algn="ctr"/>
             <a:r>
-              <a:rPr lang="sk-SK" sz="27500" b="1" cap="none" spc="150" dirty="0" smtClean="0">
+              <a:rPr lang="sk-SK" sz="25000" cap="none" spc="150" dirty="0" smtClean="0">
                 <a:ln w="11430">
                   <a:solidFill>
                     <a:srgbClr val="0070C0"/>
@@ -3611,6 +3611,7 @@
                 <a:solidFill>
                   <a:srgbClr val="0070C0"/>
                 </a:solidFill>
+                <a:latin typeface="Comic Sans MS" panose="030F0702030302020204" pitchFamily="66" charset="0"/>
               </a:rPr>
               <a:t>Cing</a:t>
             </a:r>
@@ -3618,7 +3619,7 @@
           <a:p>
             <a:pPr algn="ctr"/>
             <a:r>
-              <a:rPr lang="sk-SK" sz="10500" b="1" spc="150" dirty="0" smtClean="0">
+              <a:rPr lang="sk-SK" sz="10500" spc="150" dirty="0" smtClean="0">
                 <a:ln w="11430">
                   <a:solidFill>
                     <a:srgbClr val="0070C0"/>
@@ -3627,12 +3628,27 @@
                 <a:solidFill>
                   <a:srgbClr val="0070C0"/>
                 </a:solidFill>
+                <a:latin typeface="Comic Sans MS" panose="030F0702030302020204" pitchFamily="66" charset="0"/>
               </a:rPr>
               <a:t>Robot pre deti i dospelých</a:t>
             </a:r>
           </a:p>
           <a:p>
             <a:pPr algn="ctr"/>
+            <a:r>
+              <a:rPr lang="sk-SK" sz="8500" spc="150" dirty="0">
+                <a:ln w="11430">
+                  <a:solidFill>
+                    <a:srgbClr val="00B0F0"/>
+                  </a:solidFill>
+                </a:ln>
+                <a:solidFill>
+                  <a:srgbClr val="00B0F0"/>
+                </a:solidFill>
+                <a:latin typeface="Comic Sans MS" panose="030F0702030302020204" pitchFamily="66" charset="0"/>
+              </a:rPr>
+              <a:t>Stanislav Jochman, </a:t>
+            </a:r>
             <a:r>
               <a:rPr lang="sk-SK" sz="8500" spc="150" dirty="0" smtClean="0">
                 <a:ln w="11430">
@@ -3643,47 +3659,9 @@
                 <a:solidFill>
                   <a:srgbClr val="00B0F0"/>
                 </a:solidFill>
+                <a:latin typeface="Comic Sans MS" panose="030F0702030302020204" pitchFamily="66" charset="0"/>
               </a:rPr>
-              <a:t>Veronika </a:t>
-            </a:r>
-            <a:r>
-              <a:rPr lang="sk-SK" sz="8500" spc="150" dirty="0" err="1" smtClean="0">
-                <a:ln w="11430">
-                  <a:solidFill>
-                    <a:srgbClr val="00B0F0"/>
-                  </a:solidFill>
-                </a:ln>
-                <a:solidFill>
-                  <a:srgbClr val="00B0F0"/>
-                </a:solidFill>
-              </a:rPr>
-              <a:t>Nemjová</a:t>
-            </a:r>
-            <a:r>
-              <a:rPr lang="sk-SK" sz="8500" spc="150" dirty="0" smtClean="0">
-                <a:ln w="11430">
-                  <a:solidFill>
-                    <a:srgbClr val="00B0F0"/>
-                  </a:solidFill>
-                </a:ln>
-                <a:solidFill>
-                  <a:srgbClr val="00B0F0"/>
-                </a:solidFill>
-              </a:rPr>
-              <a:t>, Stanislav </a:t>
-            </a:r>
-            <a:r>
-              <a:rPr lang="sk-SK" sz="8500" spc="150" dirty="0" err="1" smtClean="0">
-                <a:ln w="11430">
-                  <a:solidFill>
-                    <a:srgbClr val="00B0F0"/>
-                  </a:solidFill>
-                </a:ln>
-                <a:solidFill>
-                  <a:srgbClr val="00B0F0"/>
-                </a:solidFill>
-              </a:rPr>
-              <a:t>Jochman</a:t>
+              <a:t>Veronika Nemjová</a:t>
             </a:r>
             <a:endParaRPr lang="sk-SK" sz="8500" spc="150" dirty="0" smtClean="0">
               <a:ln w="11430">
@@ -3694,6 +3672,7 @@
               <a:solidFill>
                 <a:srgbClr val="00B0F0"/>
               </a:solidFill>
+              <a:latin typeface="Comic Sans MS" panose="030F0702030302020204" pitchFamily="66" charset="0"/>
             </a:endParaRPr>
           </a:p>
           <a:p>
@@ -3703,8 +3682,27 @@
                 <a:ln w="11430">
                   <a:noFill/>
                 </a:ln>
+                <a:latin typeface="Comic Sans MS" panose="030F0702030302020204" pitchFamily="66" charset="0"/>
               </a:rPr>
-              <a:t>Gymnázium Alejová 1</a:t>
+              <a:t>Gymnázium, </a:t>
+            </a:r>
+            <a:r>
+              <a:rPr lang="sk-SK" sz="8000" spc="150" dirty="0" smtClean="0">
+                <a:ln w="11430">
+                  <a:noFill/>
+                </a:ln>
+                <a:latin typeface="Comic Sans MS" panose="030F0702030302020204" pitchFamily="66" charset="0"/>
+              </a:rPr>
+              <a:t>Alejová </a:t>
+            </a:r>
+            <a:r>
+              <a:rPr lang="sk-SK" sz="8000" spc="150" dirty="0" smtClean="0">
+                <a:ln w="11430">
+                  <a:noFill/>
+                </a:ln>
+                <a:latin typeface="Comic Sans MS" panose="030F0702030302020204" pitchFamily="66" charset="0"/>
+              </a:rPr>
+              <a:t>1, Košice</a:t>
             </a:r>
             <a:endParaRPr lang="sk-SK" sz="8000" b="1" cap="none" spc="150" dirty="0">
               <a:ln w="11430">
@@ -3722,6 +3720,7 @@
                   </a:srgbClr>
                 </a:outerShdw>
               </a:effectLst>
+              <a:latin typeface="Comic Sans MS" panose="030F0702030302020204" pitchFamily="66" charset="0"/>
             </a:endParaRPr>
           </a:p>
         </p:txBody>
